--- a/Réalisation portfolio/Cahier des charges.pptx
+++ b/Réalisation portfolio/Cahier des charges.pptx
@@ -5608,20 +5608,20 @@
         <p:spPr/>
         <p:txBody>
           <a:bodyPr>
-            <a:normAutofit fontScale="70000" lnSpcReduction="20000"/>
+            <a:normAutofit/>
           </a:bodyPr>
           <a:lstStyle/>
           <a:p>
-            <a:pPr marL="228600" lvl="0" indent="-226059">
+            <a:pPr lvl="0">
               <a:spcBef>
                 <a:spcPts val="0"/>
               </a:spcBef>
               <a:buClr>
                 <a:schemeClr val="dk1"/>
               </a:buClr>
-              <a:buSzPts val="1760"/>
+              <a:buSzPts val="2800"/>
               <a:buFont typeface="Montserrat"/>
-              <a:buAutoNum type="arabicPeriod"/>
+              <a:buChar char="•"/>
             </a:pPr>
             <a:r>
               <a:rPr lang="fr-FR" dirty="0">
@@ -5630,21 +5630,17 @@
                 <a:cs typeface="Montserrat"/>
                 <a:sym typeface="Montserrat"/>
               </a:rPr>
-              <a:t>Présentation du projet</a:t>
-            </a:r>
-          </a:p>
-          <a:p>
-            <a:pPr marL="228600" lvl="0" indent="-226059">
-              <a:spcBef>
-                <a:spcPts val="1800"/>
-              </a:spcBef>
-              <a:buClr>
-                <a:schemeClr val="dk1"/>
-              </a:buClr>
-              <a:buSzPts val="1760"/>
-              <a:buFont typeface="Montserrat"/>
-              <a:buAutoNum type="arabicPeriod"/>
-            </a:pPr>
+              <a:t>Présentation d’un portfolio pour répondre à une proposition de poste chez un client de l’aéronautique « </a:t>
+            </a:r>
+            <a:r>
+              <a:rPr lang="fr-FR" dirty="0" err="1">
+                <a:latin typeface="Montserrat"/>
+                <a:ea typeface="Montserrat"/>
+                <a:cs typeface="Montserrat"/>
+                <a:sym typeface="Montserrat"/>
+              </a:rPr>
+              <a:t>Aeroworld</a:t>
+            </a:r>
             <a:r>
               <a:rPr lang="fr-FR" dirty="0">
                 <a:latin typeface="Montserrat"/>
@@ -5652,17 +5648,20 @@
                 <a:cs typeface="Montserrat"/>
                 <a:sym typeface="Montserrat"/>
               </a:rPr>
-              <a:t>Enjeux et objectifs</a:t>
-            </a:r>
-          </a:p>
-          <a:p>
-            <a:pPr marL="228600" lvl="0" indent="-226059">
+              <a:t> ». </a:t>
+            </a:r>
+          </a:p>
+          <a:p>
+            <a:pPr lvl="0">
               <a:spcBef>
-                <a:spcPts val="1800"/>
+                <a:spcPts val="0"/>
               </a:spcBef>
-              <a:buSzPts val="1760"/>
+              <a:buClr>
+                <a:schemeClr val="dk1"/>
+              </a:buClr>
+              <a:buSzPts val="2800"/>
               <a:buFont typeface="Montserrat"/>
-              <a:buAutoNum type="arabicPeriod"/>
+              <a:buChar char="•"/>
             </a:pPr>
             <a:r>
               <a:rPr lang="fr-FR" dirty="0">
@@ -5671,149 +5670,7 @@
                 <a:cs typeface="Montserrat"/>
                 <a:sym typeface="Montserrat"/>
               </a:rPr>
-              <a:t>Équipe projet</a:t>
-            </a:r>
-          </a:p>
-          <a:p>
-            <a:pPr marL="228600" lvl="0" indent="-226059">
-              <a:spcBef>
-                <a:spcPts val="1800"/>
-              </a:spcBef>
-              <a:buSzPts val="1760"/>
-              <a:buFont typeface="Montserrat"/>
-              <a:buAutoNum type="arabicPeriod"/>
-            </a:pPr>
-            <a:r>
-              <a:rPr lang="fr-FR" dirty="0">
-                <a:latin typeface="Montserrat"/>
-                <a:ea typeface="Montserrat"/>
-                <a:cs typeface="Montserrat"/>
-                <a:sym typeface="Montserrat"/>
-              </a:rPr>
-              <a:t>Spécifications ergonomiques</a:t>
-            </a:r>
-          </a:p>
-          <a:p>
-            <a:pPr marL="228600" lvl="0" indent="-226059">
-              <a:spcBef>
-                <a:spcPts val="1800"/>
-              </a:spcBef>
-              <a:buSzPts val="1760"/>
-              <a:buFont typeface="Montserrat"/>
-              <a:buAutoNum type="arabicPeriod"/>
-            </a:pPr>
-            <a:r>
-              <a:rPr lang="fr-FR" dirty="0">
-                <a:latin typeface="Montserrat"/>
-                <a:ea typeface="Montserrat"/>
-                <a:cs typeface="Montserrat"/>
-                <a:sym typeface="Montserrat"/>
-              </a:rPr>
-              <a:t>Spécifications fonctionnelles</a:t>
-            </a:r>
-          </a:p>
-          <a:p>
-            <a:pPr marL="228600" lvl="0" indent="-226059">
-              <a:spcBef>
-                <a:spcPts val="1800"/>
-              </a:spcBef>
-              <a:buSzPts val="1760"/>
-              <a:buFont typeface="Montserrat"/>
-              <a:buAutoNum type="arabicPeriod"/>
-            </a:pPr>
-            <a:r>
-              <a:rPr lang="fr-FR" dirty="0">
-                <a:latin typeface="Montserrat"/>
-                <a:ea typeface="Montserrat"/>
-                <a:cs typeface="Montserrat"/>
-                <a:sym typeface="Montserrat"/>
-              </a:rPr>
-              <a:t>Spécifications techniques</a:t>
-            </a:r>
-          </a:p>
-          <a:p>
-            <a:pPr marL="228600" lvl="0" indent="-226059">
-              <a:spcBef>
-                <a:spcPts val="1800"/>
-              </a:spcBef>
-              <a:buSzPts val="1760"/>
-              <a:buFont typeface="Montserrat"/>
-              <a:buAutoNum type="arabicPeriod"/>
-            </a:pPr>
-            <a:r>
-              <a:rPr lang="fr-FR" dirty="0">
-                <a:latin typeface="Montserrat"/>
-                <a:ea typeface="Montserrat"/>
-                <a:cs typeface="Montserrat"/>
-                <a:sym typeface="Montserrat"/>
-              </a:rPr>
-              <a:t>Contraintes techniques et réglementaires</a:t>
-            </a:r>
-          </a:p>
-          <a:p>
-            <a:pPr marL="228600" lvl="0" indent="-226059">
-              <a:spcBef>
-                <a:spcPts val="1800"/>
-              </a:spcBef>
-              <a:buClr>
-                <a:schemeClr val="dk1"/>
-              </a:buClr>
-              <a:buSzPts val="1760"/>
-              <a:buFont typeface="Montserrat"/>
-              <a:buAutoNum type="arabicPeriod"/>
-            </a:pPr>
-            <a:r>
-              <a:rPr lang="fr-FR" dirty="0">
-                <a:latin typeface="Montserrat"/>
-                <a:ea typeface="Montserrat"/>
-                <a:cs typeface="Montserrat"/>
-                <a:sym typeface="Montserrat"/>
-              </a:rPr>
-              <a:t>Qualité et performance</a:t>
-            </a:r>
-          </a:p>
-          <a:p>
-            <a:pPr marL="228600" lvl="0" indent="-226059">
-              <a:spcBef>
-                <a:spcPts val="1800"/>
-              </a:spcBef>
-              <a:buClr>
-                <a:schemeClr val="dk1"/>
-              </a:buClr>
-              <a:buSzPts val="1760"/>
-              <a:buFont typeface="Montserrat"/>
-              <a:buAutoNum type="arabicPeriod"/>
-            </a:pPr>
-            <a:r>
-              <a:rPr lang="fr-FR" dirty="0">
-                <a:latin typeface="Montserrat"/>
-                <a:ea typeface="Montserrat"/>
-                <a:cs typeface="Montserrat"/>
-                <a:sym typeface="Montserrat"/>
-              </a:rPr>
-              <a:t>Rétroplanning</a:t>
-            </a:r>
-          </a:p>
-          <a:p>
-            <a:pPr marL="228600" lvl="0" indent="-226059">
-              <a:spcBef>
-                <a:spcPts val="1800"/>
-              </a:spcBef>
-              <a:buClr>
-                <a:schemeClr val="dk1"/>
-              </a:buClr>
-              <a:buSzPts val="1760"/>
-              <a:buFont typeface="Montserrat"/>
-              <a:buAutoNum type="arabicPeriod"/>
-            </a:pPr>
-            <a:r>
-              <a:rPr lang="fr-FR" dirty="0">
-                <a:latin typeface="Montserrat"/>
-                <a:ea typeface="Montserrat"/>
-                <a:cs typeface="Montserrat"/>
-                <a:sym typeface="Montserrat"/>
-              </a:rPr>
-              <a:t>Devis</a:t>
+              <a:t>Le projet reprend l’ensemble des livrables attendu par le client avec les exigences et le planning, détaillé dans ce document</a:t>
             </a:r>
           </a:p>
         </p:txBody>

--- a/Réalisation portfolio/Cahier des charges.pptx
+++ b/Réalisation portfolio/Cahier des charges.pptx
@@ -3946,10 +3946,15 @@
             <p:ph sz="half" idx="13"/>
           </p:nvPr>
         </p:nvSpPr>
-        <p:spPr/>
+        <p:spPr>
+          <a:xfrm>
+            <a:off x="186813" y="1825625"/>
+            <a:ext cx="11838039" cy="4351338"/>
+          </a:xfrm>
+        </p:spPr>
         <p:txBody>
           <a:bodyPr>
-            <a:normAutofit fontScale="85000" lnSpcReduction="10000"/>
+            <a:normAutofit fontScale="70000" lnSpcReduction="20000"/>
           </a:bodyPr>
           <a:lstStyle/>
           <a:p>
@@ -3969,24 +3974,7 @@
                 <a:cs typeface="Montserrat"/>
                 <a:sym typeface="Montserrat"/>
               </a:rPr>
-              <a:t>KPI à suivre pour vérifier le bon déroulé du projet.</a:t>
-            </a:r>
-            <a:br>
-              <a:rPr lang="fr-FR" dirty="0">
-                <a:latin typeface="Montserrat"/>
-                <a:ea typeface="Montserrat"/>
-                <a:cs typeface="Montserrat"/>
-                <a:sym typeface="Montserrat"/>
-              </a:rPr>
-            </a:br>
-            <a:r>
-              <a:rPr lang="fr-FR" dirty="0">
-                <a:latin typeface="Montserrat"/>
-                <a:ea typeface="Montserrat"/>
-                <a:cs typeface="Montserrat"/>
-                <a:sym typeface="Montserrat"/>
-              </a:rPr>
-              <a:t>1 au minimum dans chaque catégorie : </a:t>
+              <a:t>KPI à suivre pour vérifier le bon déroulé du projet. 1 au minimum dans chaque catégorie : </a:t>
             </a:r>
           </a:p>
           <a:p>
@@ -4023,14 +4011,38 @@
               <a:buNone/>
             </a:pPr>
             <a:r>
+              <a:rPr lang="fr-FR" sz="2000" b="1" dirty="0">
+                <a:latin typeface="Montserrat"/>
+                <a:ea typeface="Montserrat"/>
+                <a:cs typeface="Montserrat"/>
+                <a:sym typeface="Montserrat"/>
+              </a:rPr>
+              <a:t>Ecart Budgétaire (%) </a:t>
+            </a:r>
+            <a:r>
               <a:rPr lang="fr-FR" sz="2000" dirty="0">
                 <a:latin typeface="Montserrat"/>
                 <a:ea typeface="Montserrat"/>
                 <a:cs typeface="Montserrat"/>
                 <a:sym typeface="Montserrat"/>
               </a:rPr>
-              <a:t>Respect du budget alloué pour le projet en TJM</a:t>
-            </a:r>
+              <a:t>: (Budget Réel – Budget Prévu) / Budget Prévu x 100 </a:t>
+            </a:r>
+            <a:r>
+              <a:rPr lang="fr-FR" sz="2000" dirty="0">
+                <a:latin typeface="Montserrat"/>
+                <a:ea typeface="Montserrat"/>
+                <a:cs typeface="Montserrat"/>
+                <a:sym typeface="Wingdings" panose="05000000000000000000" pitchFamily="2" charset="2"/>
+              </a:rPr>
+              <a:t> Suivre les dépassements</a:t>
+            </a:r>
+            <a:endParaRPr lang="fr-FR" sz="2000" dirty="0">
+              <a:latin typeface="Montserrat"/>
+              <a:ea typeface="Montserrat"/>
+              <a:cs typeface="Montserrat"/>
+              <a:sym typeface="Montserrat"/>
+            </a:endParaRPr>
           </a:p>
           <a:p>
             <a:pPr marL="914400" lvl="0" indent="-317500">
@@ -4072,7 +4084,43 @@
                 <a:cs typeface="Montserrat"/>
                 <a:sym typeface="Montserrat"/>
               </a:rPr>
-              <a:t>Respect du planning en jours ouvrés</a:t>
+              <a:t>Respect du planning(%Tâches livrés à temps) </a:t>
+            </a:r>
+            <a:r>
+              <a:rPr lang="fr-FR" sz="2000" dirty="0">
+                <a:latin typeface="Montserrat"/>
+                <a:ea typeface="Montserrat"/>
+                <a:cs typeface="Montserrat"/>
+                <a:sym typeface="Wingdings" panose="05000000000000000000" pitchFamily="2" charset="2"/>
+              </a:rPr>
+              <a:t>  Nombre de livrable / nombre total</a:t>
+            </a:r>
+            <a:endParaRPr lang="fr-FR" sz="2000" dirty="0">
+              <a:latin typeface="Montserrat"/>
+              <a:ea typeface="Montserrat"/>
+              <a:cs typeface="Montserrat"/>
+              <a:sym typeface="Montserrat"/>
+            </a:endParaRPr>
+          </a:p>
+          <a:p>
+            <a:pPr marL="1054100" lvl="1" indent="0">
+              <a:lnSpc>
+                <a:spcPct val="150000"/>
+              </a:lnSpc>
+              <a:spcBef>
+                <a:spcPts val="0"/>
+              </a:spcBef>
+              <a:buSzPts val="1400"/>
+              <a:buNone/>
+            </a:pPr>
+            <a:r>
+              <a:rPr lang="fr-FR" sz="2000" dirty="0">
+                <a:latin typeface="Montserrat"/>
+                <a:ea typeface="Montserrat"/>
+                <a:cs typeface="Montserrat"/>
+                <a:sym typeface="Montserrat"/>
+              </a:rPr>
+              <a:t>Dérive moyenne (en jours) Moyenne des écarts entre date prévues et dates réelles</a:t>
             </a:r>
           </a:p>
           <a:p>
@@ -4115,7 +4163,25 @@
                 <a:cs typeface="Montserrat"/>
                 <a:sym typeface="Montserrat"/>
               </a:rPr>
-              <a:t>Validation des livrables</a:t>
+              <a:t>Taux de Validation des livrables au premier passage </a:t>
+            </a:r>
+            <a:r>
+              <a:rPr lang="fr-FR" sz="2000" dirty="0">
+                <a:latin typeface="Montserrat"/>
+                <a:ea typeface="Montserrat"/>
+                <a:cs typeface="Montserrat"/>
+                <a:sym typeface="Wingdings" panose="05000000000000000000" pitchFamily="2" charset="2"/>
+              </a:rPr>
+              <a:t></a:t>
+            </a:r>
+            <a:r>
+              <a:rPr lang="fr-FR" sz="2000" dirty="0">
+                <a:latin typeface="Montserrat"/>
+                <a:ea typeface="Montserrat"/>
+                <a:cs typeface="Montserrat"/>
+                <a:sym typeface="Montserrat"/>
+              </a:rPr>
+              <a:t> (Livrable accepté sans retour / Livrable présentés)</a:t>
             </a:r>
           </a:p>
           <a:p>
@@ -4158,7 +4224,7 @@
                 <a:cs typeface="Montserrat"/>
                 <a:sym typeface="Montserrat"/>
               </a:rPr>
-              <a:t>Validation des jalons d’avancée du projet</a:t>
+              <a:t>Validation des jalons d’avancée du projet (Jalons validés / jalon prévu) à date</a:t>
             </a:r>
           </a:p>
           <a:p>
@@ -5626,8 +5692,8 @@
             <a:r>
               <a:rPr lang="fr-FR" dirty="0">
                 <a:latin typeface="Montserrat"/>
-                <a:ea typeface="Montserrat"/>
-                <a:cs typeface="Montserrat"/>
+                <a:ea typeface="Calibri" panose="020F0502020204030204" pitchFamily="34" charset="0"/>
+                <a:cs typeface="Calibri" panose="020F0502020204030204" pitchFamily="34" charset="0"/>
                 <a:sym typeface="Montserrat"/>
               </a:rPr>
               <a:t>Présentation d’un portfolio pour répondre à une proposition de poste chez un client de l’aéronautique « </a:t>
@@ -5635,8 +5701,8 @@
             <a:r>
               <a:rPr lang="fr-FR" dirty="0" err="1">
                 <a:latin typeface="Montserrat"/>
-                <a:ea typeface="Montserrat"/>
-                <a:cs typeface="Montserrat"/>
+                <a:ea typeface="Calibri" panose="020F0502020204030204" pitchFamily="34" charset="0"/>
+                <a:cs typeface="Calibri" panose="020F0502020204030204" pitchFamily="34" charset="0"/>
                 <a:sym typeface="Montserrat"/>
               </a:rPr>
               <a:t>Aeroworld</a:t>
@@ -5644,8 +5710,8 @@
             <a:r>
               <a:rPr lang="fr-FR" dirty="0">
                 <a:latin typeface="Montserrat"/>
-                <a:ea typeface="Montserrat"/>
-                <a:cs typeface="Montserrat"/>
+                <a:ea typeface="Calibri" panose="020F0502020204030204" pitchFamily="34" charset="0"/>
+                <a:cs typeface="Calibri" panose="020F0502020204030204" pitchFamily="34" charset="0"/>
                 <a:sym typeface="Montserrat"/>
               </a:rPr>
               <a:t> ». </a:t>
@@ -5663,14 +5729,33 @@
               <a:buFont typeface="Montserrat"/>
               <a:buChar char="•"/>
             </a:pPr>
+            <a:endParaRPr lang="fr-FR" dirty="0">
+              <a:latin typeface="Montserrat"/>
+              <a:ea typeface="Calibri" panose="020F0502020204030204" pitchFamily="34" charset="0"/>
+              <a:cs typeface="Calibri" panose="020F0502020204030204" pitchFamily="34" charset="0"/>
+              <a:sym typeface="Montserrat"/>
+            </a:endParaRPr>
+          </a:p>
+          <a:p>
+            <a:pPr lvl="0">
+              <a:spcBef>
+                <a:spcPts val="0"/>
+              </a:spcBef>
+              <a:buClr>
+                <a:schemeClr val="dk1"/>
+              </a:buClr>
+              <a:buSzPts val="2800"/>
+              <a:buFont typeface="Montserrat"/>
+              <a:buChar char="•"/>
+            </a:pPr>
             <a:r>
               <a:rPr lang="fr-FR" dirty="0">
                 <a:latin typeface="Montserrat"/>
-                <a:ea typeface="Montserrat"/>
-                <a:cs typeface="Montserrat"/>
+                <a:ea typeface="Calibri" panose="020F0502020204030204" pitchFamily="34" charset="0"/>
+                <a:cs typeface="Calibri" panose="020F0502020204030204" pitchFamily="34" charset="0"/>
                 <a:sym typeface="Montserrat"/>
               </a:rPr>
-              <a:t>Le projet reprend l’ensemble des livrables attendu par le client avec les exigences et le planning, détaillé dans ce document</a:t>
+              <a:t>Le projet reprend l’ensemble des livrables attendu par le client avec les exigences et le planning, détaillés dans cette présentation.</a:t>
             </a:r>
           </a:p>
         </p:txBody>
@@ -6202,6 +6287,86 @@
             </a:r>
           </a:p>
           <a:p>
+            <a:pPr lvl="1">
+              <a:spcBef>
+                <a:spcPts val="0"/>
+              </a:spcBef>
+              <a:buSzPts val="2800"/>
+              <a:buFont typeface="Montserrat"/>
+              <a:buChar char="•"/>
+            </a:pPr>
+            <a:endParaRPr lang="fr-FR" dirty="0">
+              <a:latin typeface="Montserrat"/>
+              <a:ea typeface="Montserrat"/>
+              <a:cs typeface="Montserrat"/>
+              <a:sym typeface="Montserrat"/>
+            </a:endParaRPr>
+          </a:p>
+          <a:p>
+            <a:pPr lvl="1">
+              <a:spcBef>
+                <a:spcPts val="0"/>
+              </a:spcBef>
+              <a:buSzPts val="2800"/>
+              <a:buFont typeface="Montserrat"/>
+              <a:buChar char="•"/>
+            </a:pPr>
+            <a:endParaRPr lang="fr-FR" dirty="0">
+              <a:latin typeface="Montserrat"/>
+              <a:ea typeface="Montserrat"/>
+              <a:cs typeface="Montserrat"/>
+              <a:sym typeface="Montserrat"/>
+            </a:endParaRPr>
+          </a:p>
+          <a:p>
+            <a:pPr lvl="1">
+              <a:spcBef>
+                <a:spcPts val="0"/>
+              </a:spcBef>
+              <a:buSzPts val="2800"/>
+              <a:buFont typeface="Montserrat"/>
+              <a:buChar char="•"/>
+            </a:pPr>
+            <a:endParaRPr lang="fr-FR" dirty="0">
+              <a:latin typeface="Montserrat"/>
+              <a:ea typeface="Montserrat"/>
+              <a:cs typeface="Montserrat"/>
+              <a:sym typeface="Montserrat"/>
+            </a:endParaRPr>
+          </a:p>
+          <a:p>
+            <a:pPr lvl="1">
+              <a:spcBef>
+                <a:spcPts val="0"/>
+              </a:spcBef>
+              <a:buSzPts val="2800"/>
+              <a:buFont typeface="Montserrat"/>
+              <a:buChar char="•"/>
+            </a:pPr>
+            <a:endParaRPr lang="fr-FR" dirty="0">
+              <a:latin typeface="Montserrat"/>
+              <a:ea typeface="Montserrat"/>
+              <a:cs typeface="Montserrat"/>
+              <a:sym typeface="Montserrat"/>
+            </a:endParaRPr>
+          </a:p>
+          <a:p>
+            <a:pPr lvl="1">
+              <a:spcBef>
+                <a:spcPts val="0"/>
+              </a:spcBef>
+              <a:buSzPts val="2800"/>
+              <a:buFont typeface="Montserrat"/>
+              <a:buChar char="•"/>
+            </a:pPr>
+            <a:endParaRPr lang="fr-FR" dirty="0">
+              <a:latin typeface="Montserrat"/>
+              <a:ea typeface="Montserrat"/>
+              <a:cs typeface="Montserrat"/>
+              <a:sym typeface="Montserrat"/>
+            </a:endParaRPr>
+          </a:p>
+          <a:p>
             <a:pPr marL="457200" lvl="1" indent="0">
               <a:spcBef>
                 <a:spcPts val="0"/>
@@ -6266,6 +6431,36 @@
           </a:p>
         </p:txBody>
       </p:sp>
+      <p:pic>
+        <p:nvPicPr>
+          <p:cNvPr id="5" name="Image 4">
+            <a:extLst>
+              <a:ext uri="{FF2B5EF4-FFF2-40B4-BE49-F238E27FC236}">
+                <a16:creationId xmlns:a16="http://schemas.microsoft.com/office/drawing/2014/main" id="{7C32BEEB-7BCA-FD96-F643-651541D5E52B}"/>
+              </a:ext>
+            </a:extLst>
+          </p:cNvPr>
+          <p:cNvPicPr>
+            <a:picLocks noChangeAspect="1"/>
+          </p:cNvPicPr>
+          <p:nvPr/>
+        </p:nvPicPr>
+        <p:blipFill>
+          <a:blip r:embed="rId2"/>
+          <a:stretch>
+            <a:fillRect/>
+          </a:stretch>
+        </p:blipFill>
+        <p:spPr>
+          <a:xfrm>
+            <a:off x="4788309" y="2615983"/>
+            <a:ext cx="5716588" cy="2601561"/>
+          </a:xfrm>
+          <a:prstGeom prst="rect">
+            <a:avLst/>
+          </a:prstGeom>
+        </p:spPr>
+      </p:pic>
     </p:spTree>
     <p:extLst>
       <p:ext uri="{BB962C8B-B14F-4D97-AF65-F5344CB8AC3E}">
